--- a/slides/embedded C.pptx
+++ b/slides/embedded C.pptx
@@ -278,7 +278,7 @@
           <a:p>
             <a:fld id="{90D14FA0-92B4-416A-9212-DB296D7F59F4}" type="datetimeFigureOut">
               <a:rPr lang="en-US" smtClean="0"/>
-              <a:t>10/20/2019</a:t>
+              <a:t>3/22/2020</a:t>
             </a:fld>
             <a:endParaRPr lang="en-US"/>
           </a:p>
@@ -448,7 +448,7 @@
           <a:p>
             <a:fld id="{90D14FA0-92B4-416A-9212-DB296D7F59F4}" type="datetimeFigureOut">
               <a:rPr lang="en-US" smtClean="0"/>
-              <a:t>10/20/2019</a:t>
+              <a:t>3/22/2020</a:t>
             </a:fld>
             <a:endParaRPr lang="en-US"/>
           </a:p>
@@ -628,7 +628,7 @@
           <a:p>
             <a:fld id="{90D14FA0-92B4-416A-9212-DB296D7F59F4}" type="datetimeFigureOut">
               <a:rPr lang="en-US" smtClean="0"/>
-              <a:t>10/20/2019</a:t>
+              <a:t>3/22/2020</a:t>
             </a:fld>
             <a:endParaRPr lang="en-US"/>
           </a:p>
@@ -798,7 +798,7 @@
           <a:p>
             <a:fld id="{90D14FA0-92B4-416A-9212-DB296D7F59F4}" type="datetimeFigureOut">
               <a:rPr lang="en-US" smtClean="0"/>
-              <a:t>10/20/2019</a:t>
+              <a:t>3/22/2020</a:t>
             </a:fld>
             <a:endParaRPr lang="en-US"/>
           </a:p>
@@ -1044,7 +1044,7 @@
           <a:p>
             <a:fld id="{90D14FA0-92B4-416A-9212-DB296D7F59F4}" type="datetimeFigureOut">
               <a:rPr lang="en-US" smtClean="0"/>
-              <a:t>10/20/2019</a:t>
+              <a:t>3/22/2020</a:t>
             </a:fld>
             <a:endParaRPr lang="en-US"/>
           </a:p>
@@ -1276,7 +1276,7 @@
           <a:p>
             <a:fld id="{90D14FA0-92B4-416A-9212-DB296D7F59F4}" type="datetimeFigureOut">
               <a:rPr lang="en-US" smtClean="0"/>
-              <a:t>10/20/2019</a:t>
+              <a:t>3/22/2020</a:t>
             </a:fld>
             <a:endParaRPr lang="en-US"/>
           </a:p>
@@ -1643,7 +1643,7 @@
           <a:p>
             <a:fld id="{90D14FA0-92B4-416A-9212-DB296D7F59F4}" type="datetimeFigureOut">
               <a:rPr lang="en-US" smtClean="0"/>
-              <a:t>10/20/2019</a:t>
+              <a:t>3/22/2020</a:t>
             </a:fld>
             <a:endParaRPr lang="en-US"/>
           </a:p>
@@ -1761,7 +1761,7 @@
           <a:p>
             <a:fld id="{90D14FA0-92B4-416A-9212-DB296D7F59F4}" type="datetimeFigureOut">
               <a:rPr lang="en-US" smtClean="0"/>
-              <a:t>10/20/2019</a:t>
+              <a:t>3/22/2020</a:t>
             </a:fld>
             <a:endParaRPr lang="en-US"/>
           </a:p>
@@ -1856,7 +1856,7 @@
           <a:p>
             <a:fld id="{90D14FA0-92B4-416A-9212-DB296D7F59F4}" type="datetimeFigureOut">
               <a:rPr lang="en-US" smtClean="0"/>
-              <a:t>10/20/2019</a:t>
+              <a:t>3/22/2020</a:t>
             </a:fld>
             <a:endParaRPr lang="en-US"/>
           </a:p>
@@ -2133,7 +2133,7 @@
           <a:p>
             <a:fld id="{90D14FA0-92B4-416A-9212-DB296D7F59F4}" type="datetimeFigureOut">
               <a:rPr lang="en-US" smtClean="0"/>
-              <a:t>10/20/2019</a:t>
+              <a:t>3/22/2020</a:t>
             </a:fld>
             <a:endParaRPr lang="en-US"/>
           </a:p>
@@ -2386,7 +2386,7 @@
           <a:p>
             <a:fld id="{90D14FA0-92B4-416A-9212-DB296D7F59F4}" type="datetimeFigureOut">
               <a:rPr lang="en-US" smtClean="0"/>
-              <a:t>10/20/2019</a:t>
+              <a:t>3/22/2020</a:t>
             </a:fld>
             <a:endParaRPr lang="en-US"/>
           </a:p>
@@ -2599,7 +2599,7 @@
           <a:p>
             <a:fld id="{90D14FA0-92B4-416A-9212-DB296D7F59F4}" type="datetimeFigureOut">
               <a:rPr lang="en-US" smtClean="0"/>
-              <a:t>10/20/2019</a:t>
+              <a:t>3/22/2020</a:t>
             </a:fld>
             <a:endParaRPr lang="en-US"/>
           </a:p>
@@ -3080,6 +3080,36 @@
           </a:prstGeom>
         </p:spPr>
       </p:pic>
+      <p:pic>
+        <p:nvPicPr>
+          <p:cNvPr id="5" name="Picture 4"/>
+          <p:cNvPicPr>
+            <a:picLocks noChangeAspect="1"/>
+          </p:cNvPicPr>
+          <p:nvPr/>
+        </p:nvPicPr>
+        <p:blipFill>
+          <a:blip r:embed="rId2" cstate="print">
+            <a:extLst>
+              <a:ext uri="{28A0092B-C50C-407E-A947-70E740481C1C}">
+                <a14:useLocalDpi xmlns:a14="http://schemas.microsoft.com/office/drawing/2010/main" val="0"/>
+              </a:ext>
+            </a:extLst>
+          </a:blip>
+          <a:stretch>
+            <a:fillRect/>
+          </a:stretch>
+        </p:blipFill>
+        <p:spPr>
+          <a:xfrm>
+            <a:off x="10731500" y="5950424"/>
+            <a:ext cx="1062463" cy="751114"/>
+          </a:xfrm>
+          <a:prstGeom prst="rect">
+            <a:avLst/>
+          </a:prstGeom>
+        </p:spPr>
+      </p:pic>
     </p:spTree>
     <p:extLst>
       <p:ext uri="{BB962C8B-B14F-4D97-AF65-F5344CB8AC3E}">
@@ -3165,6 +3195,36 @@
           <a:xfrm>
             <a:off x="1100762" y="2156347"/>
             <a:ext cx="10322132" cy="2893325"/>
+          </a:xfrm>
+          <a:prstGeom prst="rect">
+            <a:avLst/>
+          </a:prstGeom>
+        </p:spPr>
+      </p:pic>
+      <p:pic>
+        <p:nvPicPr>
+          <p:cNvPr id="5" name="Picture 4"/>
+          <p:cNvPicPr>
+            <a:picLocks noChangeAspect="1"/>
+          </p:cNvPicPr>
+          <p:nvPr/>
+        </p:nvPicPr>
+        <p:blipFill>
+          <a:blip r:embed="rId3" cstate="print">
+            <a:extLst>
+              <a:ext uri="{28A0092B-C50C-407E-A947-70E740481C1C}">
+                <a14:useLocalDpi xmlns:a14="http://schemas.microsoft.com/office/drawing/2010/main" val="0"/>
+              </a:ext>
+            </a:extLst>
+          </a:blip>
+          <a:stretch>
+            <a:fillRect/>
+          </a:stretch>
+        </p:blipFill>
+        <p:spPr>
+          <a:xfrm>
+            <a:off x="10731500" y="5950424"/>
+            <a:ext cx="1062463" cy="751114"/>
           </a:xfrm>
           <a:prstGeom prst="rect">
             <a:avLst/>
@@ -4303,6 +4363,36 @@
           </a:p>
         </p:txBody>
       </p:sp>
+      <p:pic>
+        <p:nvPicPr>
+          <p:cNvPr id="18" name="Picture 17"/>
+          <p:cNvPicPr>
+            <a:picLocks noChangeAspect="1"/>
+          </p:cNvPicPr>
+          <p:nvPr/>
+        </p:nvPicPr>
+        <p:blipFill>
+          <a:blip r:embed="rId2" cstate="print">
+            <a:extLst>
+              <a:ext uri="{28A0092B-C50C-407E-A947-70E740481C1C}">
+                <a14:useLocalDpi xmlns:a14="http://schemas.microsoft.com/office/drawing/2010/main" val="0"/>
+              </a:ext>
+            </a:extLst>
+          </a:blip>
+          <a:stretch>
+            <a:fillRect/>
+          </a:stretch>
+        </p:blipFill>
+        <p:spPr>
+          <a:xfrm>
+            <a:off x="10731500" y="5950424"/>
+            <a:ext cx="1062463" cy="751114"/>
+          </a:xfrm>
+          <a:prstGeom prst="rect">
+            <a:avLst/>
+          </a:prstGeom>
+        </p:spPr>
+      </p:pic>
     </p:spTree>
     <p:extLst>
       <p:ext uri="{BB962C8B-B14F-4D97-AF65-F5344CB8AC3E}">
@@ -5122,6 +5212,36 @@
           </a:p>
         </p:txBody>
       </p:sp>
+      <p:pic>
+        <p:nvPicPr>
+          <p:cNvPr id="5" name="Picture 4"/>
+          <p:cNvPicPr>
+            <a:picLocks noChangeAspect="1"/>
+          </p:cNvPicPr>
+          <p:nvPr/>
+        </p:nvPicPr>
+        <p:blipFill>
+          <a:blip r:embed="rId2" cstate="print">
+            <a:extLst>
+              <a:ext uri="{28A0092B-C50C-407E-A947-70E740481C1C}">
+                <a14:useLocalDpi xmlns:a14="http://schemas.microsoft.com/office/drawing/2010/main" val="0"/>
+              </a:ext>
+            </a:extLst>
+          </a:blip>
+          <a:stretch>
+            <a:fillRect/>
+          </a:stretch>
+        </p:blipFill>
+        <p:spPr>
+          <a:xfrm>
+            <a:off x="10731500" y="5950424"/>
+            <a:ext cx="1062463" cy="751114"/>
+          </a:xfrm>
+          <a:prstGeom prst="rect">
+            <a:avLst/>
+          </a:prstGeom>
+        </p:spPr>
+      </p:pic>
     </p:spTree>
     <p:extLst>
       <p:ext uri="{BB962C8B-B14F-4D97-AF65-F5344CB8AC3E}">
@@ -7257,6 +7377,36 @@
           </a:p>
         </p:txBody>
       </p:sp>
+      <p:pic>
+        <p:nvPicPr>
+          <p:cNvPr id="5" name="Picture 4"/>
+          <p:cNvPicPr>
+            <a:picLocks noChangeAspect="1"/>
+          </p:cNvPicPr>
+          <p:nvPr/>
+        </p:nvPicPr>
+        <p:blipFill>
+          <a:blip r:embed="rId2" cstate="print">
+            <a:extLst>
+              <a:ext uri="{28A0092B-C50C-407E-A947-70E740481C1C}">
+                <a14:useLocalDpi xmlns:a14="http://schemas.microsoft.com/office/drawing/2010/main" val="0"/>
+              </a:ext>
+            </a:extLst>
+          </a:blip>
+          <a:stretch>
+            <a:fillRect/>
+          </a:stretch>
+        </p:blipFill>
+        <p:spPr>
+          <a:xfrm>
+            <a:off x="10731500" y="5950424"/>
+            <a:ext cx="1062463" cy="751114"/>
+          </a:xfrm>
+          <a:prstGeom prst="rect">
+            <a:avLst/>
+          </a:prstGeom>
+        </p:spPr>
+      </p:pic>
     </p:spTree>
     <p:extLst>
       <p:ext uri="{BB962C8B-B14F-4D97-AF65-F5344CB8AC3E}">
@@ -7398,6 +7548,36 @@
           </a:p>
         </p:txBody>
       </p:sp>
+      <p:pic>
+        <p:nvPicPr>
+          <p:cNvPr id="4" name="Picture 3"/>
+          <p:cNvPicPr>
+            <a:picLocks noChangeAspect="1"/>
+          </p:cNvPicPr>
+          <p:nvPr/>
+        </p:nvPicPr>
+        <p:blipFill>
+          <a:blip r:embed="rId2" cstate="print">
+            <a:extLst>
+              <a:ext uri="{28A0092B-C50C-407E-A947-70E740481C1C}">
+                <a14:useLocalDpi xmlns:a14="http://schemas.microsoft.com/office/drawing/2010/main" val="0"/>
+              </a:ext>
+            </a:extLst>
+          </a:blip>
+          <a:stretch>
+            <a:fillRect/>
+          </a:stretch>
+        </p:blipFill>
+        <p:spPr>
+          <a:xfrm>
+            <a:off x="10731500" y="5950424"/>
+            <a:ext cx="1062463" cy="751114"/>
+          </a:xfrm>
+          <a:prstGeom prst="rect">
+            <a:avLst/>
+          </a:prstGeom>
+        </p:spPr>
+      </p:pic>
     </p:spTree>
     <p:extLst>
       <p:ext uri="{BB962C8B-B14F-4D97-AF65-F5344CB8AC3E}">
@@ -7713,6 +7893,36 @@
           </a:p>
         </p:txBody>
       </p:sp>
+      <p:pic>
+        <p:nvPicPr>
+          <p:cNvPr id="4" name="Picture 3"/>
+          <p:cNvPicPr>
+            <a:picLocks noChangeAspect="1"/>
+          </p:cNvPicPr>
+          <p:nvPr/>
+        </p:nvPicPr>
+        <p:blipFill>
+          <a:blip r:embed="rId2" cstate="print">
+            <a:extLst>
+              <a:ext uri="{28A0092B-C50C-407E-A947-70E740481C1C}">
+                <a14:useLocalDpi xmlns:a14="http://schemas.microsoft.com/office/drawing/2010/main" val="0"/>
+              </a:ext>
+            </a:extLst>
+          </a:blip>
+          <a:stretch>
+            <a:fillRect/>
+          </a:stretch>
+        </p:blipFill>
+        <p:spPr>
+          <a:xfrm>
+            <a:off x="10731500" y="5950424"/>
+            <a:ext cx="1062463" cy="751114"/>
+          </a:xfrm>
+          <a:prstGeom prst="rect">
+            <a:avLst/>
+          </a:prstGeom>
+        </p:spPr>
+      </p:pic>
     </p:spTree>
     <p:extLst>
       <p:ext uri="{BB962C8B-B14F-4D97-AF65-F5344CB8AC3E}">
@@ -8277,6 +8487,36 @@
           </a:p>
         </p:txBody>
       </p:sp>
+      <p:pic>
+        <p:nvPicPr>
+          <p:cNvPr id="4" name="Picture 3"/>
+          <p:cNvPicPr>
+            <a:picLocks noChangeAspect="1"/>
+          </p:cNvPicPr>
+          <p:nvPr/>
+        </p:nvPicPr>
+        <p:blipFill>
+          <a:blip r:embed="rId2" cstate="print">
+            <a:extLst>
+              <a:ext uri="{28A0092B-C50C-407E-A947-70E740481C1C}">
+                <a14:useLocalDpi xmlns:a14="http://schemas.microsoft.com/office/drawing/2010/main" val="0"/>
+              </a:ext>
+            </a:extLst>
+          </a:blip>
+          <a:stretch>
+            <a:fillRect/>
+          </a:stretch>
+        </p:blipFill>
+        <p:spPr>
+          <a:xfrm>
+            <a:off x="10989860" y="6106886"/>
+            <a:ext cx="1062463" cy="751114"/>
+          </a:xfrm>
+          <a:prstGeom prst="rect">
+            <a:avLst/>
+          </a:prstGeom>
+        </p:spPr>
+      </p:pic>
     </p:spTree>
     <p:extLst>
       <p:ext uri="{BB962C8B-B14F-4D97-AF65-F5344CB8AC3E}">
@@ -8491,7 +8731,7 @@
         <p:spPr>
           <a:xfrm>
             <a:off x="5295900" y="3187700"/>
-            <a:ext cx="6400800" cy="1754326"/>
+            <a:ext cx="6400800" cy="1477328"/>
           </a:xfrm>
           <a:prstGeom prst="rect">
             <a:avLst/>
@@ -8538,7 +8778,7 @@
               <a:buChar char="•"/>
             </a:pPr>
             <a:r>
-              <a:rPr lang="en-US" dirty="0">
+              <a:rPr lang="en-US" dirty="0" smtClean="0">
                 <a:solidFill>
                   <a:srgbClr val="777778"/>
                 </a:solidFill>
@@ -8553,13 +8793,22 @@
               <a:buChar char="•"/>
             </a:pPr>
             <a:r>
+              <a:rPr lang="en-US" dirty="0" smtClean="0">
+                <a:solidFill>
+                  <a:srgbClr val="777778"/>
+                </a:solidFill>
+                <a:latin typeface="Lato" panose="020F0502020204030203" pitchFamily="34" charset="0"/>
+              </a:rPr>
+              <a:t>RTOS </a:t>
+            </a:r>
+            <a:r>
               <a:rPr lang="en-US" dirty="0">
                 <a:solidFill>
                   <a:srgbClr val="777778"/>
                 </a:solidFill>
                 <a:latin typeface="Lato" panose="020F0502020204030203" pitchFamily="34" charset="0"/>
               </a:rPr>
-              <a:t>RTOS tasks that work fine in isolation--until some other task is spawned</a:t>
+              <a:t>tasks that work fine in isolation--until some other task is spawned</a:t>
             </a:r>
             <a:endParaRPr lang="en-US" b="0" i="0" dirty="0">
               <a:solidFill>
@@ -8670,6 +8919,36 @@
           </a:p>
         </p:txBody>
       </p:sp>
+      <p:pic>
+        <p:nvPicPr>
+          <p:cNvPr id="9" name="Picture 8"/>
+          <p:cNvPicPr>
+            <a:picLocks noChangeAspect="1"/>
+          </p:cNvPicPr>
+          <p:nvPr/>
+        </p:nvPicPr>
+        <p:blipFill>
+          <a:blip r:embed="rId2" cstate="print">
+            <a:extLst>
+              <a:ext uri="{28A0092B-C50C-407E-A947-70E740481C1C}">
+                <a14:useLocalDpi xmlns:a14="http://schemas.microsoft.com/office/drawing/2010/main" val="0"/>
+              </a:ext>
+            </a:extLst>
+          </a:blip>
+          <a:stretch>
+            <a:fillRect/>
+          </a:stretch>
+        </p:blipFill>
+        <p:spPr>
+          <a:xfrm>
+            <a:off x="10731500" y="5950424"/>
+            <a:ext cx="1062463" cy="751114"/>
+          </a:xfrm>
+          <a:prstGeom prst="rect">
+            <a:avLst/>
+          </a:prstGeom>
+        </p:spPr>
+      </p:pic>
     </p:spTree>
     <p:extLst>
       <p:ext uri="{BB962C8B-B14F-4D97-AF65-F5344CB8AC3E}">
@@ -8867,6 +9146,36 @@
           </a:p>
         </p:txBody>
       </p:sp>
+      <p:pic>
+        <p:nvPicPr>
+          <p:cNvPr id="6" name="Picture 5"/>
+          <p:cNvPicPr>
+            <a:picLocks noChangeAspect="1"/>
+          </p:cNvPicPr>
+          <p:nvPr/>
+        </p:nvPicPr>
+        <p:blipFill>
+          <a:blip r:embed="rId4" cstate="print">
+            <a:extLst>
+              <a:ext uri="{28A0092B-C50C-407E-A947-70E740481C1C}">
+                <a14:useLocalDpi xmlns:a14="http://schemas.microsoft.com/office/drawing/2010/main" val="0"/>
+              </a:ext>
+            </a:extLst>
+          </a:blip>
+          <a:stretch>
+            <a:fillRect/>
+          </a:stretch>
+        </p:blipFill>
+        <p:spPr>
+          <a:xfrm>
+            <a:off x="10731500" y="5950424"/>
+            <a:ext cx="1062463" cy="751114"/>
+          </a:xfrm>
+          <a:prstGeom prst="rect">
+            <a:avLst/>
+          </a:prstGeom>
+        </p:spPr>
+      </p:pic>
     </p:spTree>
     <p:extLst>
       <p:ext uri="{BB962C8B-B14F-4D97-AF65-F5344CB8AC3E}">
@@ -8952,6 +9261,36 @@
           <a:xfrm>
             <a:off x="3867238" y="914401"/>
             <a:ext cx="7858037" cy="5294086"/>
+          </a:xfrm>
+          <a:prstGeom prst="rect">
+            <a:avLst/>
+          </a:prstGeom>
+        </p:spPr>
+      </p:pic>
+      <p:pic>
+        <p:nvPicPr>
+          <p:cNvPr id="5" name="Picture 4"/>
+          <p:cNvPicPr>
+            <a:picLocks noChangeAspect="1"/>
+          </p:cNvPicPr>
+          <p:nvPr/>
+        </p:nvPicPr>
+        <p:blipFill>
+          <a:blip r:embed="rId3" cstate="print">
+            <a:extLst>
+              <a:ext uri="{28A0092B-C50C-407E-A947-70E740481C1C}">
+                <a14:useLocalDpi xmlns:a14="http://schemas.microsoft.com/office/drawing/2010/main" val="0"/>
+              </a:ext>
+            </a:extLst>
+          </a:blip>
+          <a:stretch>
+            <a:fillRect/>
+          </a:stretch>
+        </p:blipFill>
+        <p:spPr>
+          <a:xfrm>
+            <a:off x="10731500" y="5950424"/>
+            <a:ext cx="1062463" cy="751114"/>
           </a:xfrm>
           <a:prstGeom prst="rect">
             <a:avLst/>
@@ -9139,6 +9478,36 @@
           </a:p>
         </p:txBody>
       </p:sp>
+      <p:pic>
+        <p:nvPicPr>
+          <p:cNvPr id="4" name="Picture 3"/>
+          <p:cNvPicPr>
+            <a:picLocks noChangeAspect="1"/>
+          </p:cNvPicPr>
+          <p:nvPr/>
+        </p:nvPicPr>
+        <p:blipFill>
+          <a:blip r:embed="rId2" cstate="print">
+            <a:extLst>
+              <a:ext uri="{28A0092B-C50C-407E-A947-70E740481C1C}">
+                <a14:useLocalDpi xmlns:a14="http://schemas.microsoft.com/office/drawing/2010/main" val="0"/>
+              </a:ext>
+            </a:extLst>
+          </a:blip>
+          <a:stretch>
+            <a:fillRect/>
+          </a:stretch>
+        </p:blipFill>
+        <p:spPr>
+          <a:xfrm>
+            <a:off x="10822568" y="6106886"/>
+            <a:ext cx="1062463" cy="751114"/>
+          </a:xfrm>
+          <a:prstGeom prst="rect">
+            <a:avLst/>
+          </a:prstGeom>
+        </p:spPr>
+      </p:pic>
     </p:spTree>
     <p:extLst>
       <p:ext uri="{BB962C8B-B14F-4D97-AF65-F5344CB8AC3E}">
@@ -9200,6 +9569,36 @@
           </a:prstGeom>
         </p:spPr>
       </p:pic>
+      <p:pic>
+        <p:nvPicPr>
+          <p:cNvPr id="3" name="Picture 2"/>
+          <p:cNvPicPr>
+            <a:picLocks noChangeAspect="1"/>
+          </p:cNvPicPr>
+          <p:nvPr/>
+        </p:nvPicPr>
+        <p:blipFill>
+          <a:blip r:embed="rId3" cstate="print">
+            <a:extLst>
+              <a:ext uri="{28A0092B-C50C-407E-A947-70E740481C1C}">
+                <a14:useLocalDpi xmlns:a14="http://schemas.microsoft.com/office/drawing/2010/main" val="0"/>
+              </a:ext>
+            </a:extLst>
+          </a:blip>
+          <a:stretch>
+            <a:fillRect/>
+          </a:stretch>
+        </p:blipFill>
+        <p:spPr>
+          <a:xfrm>
+            <a:off x="10731500" y="5950424"/>
+            <a:ext cx="1062463" cy="751114"/>
+          </a:xfrm>
+          <a:prstGeom prst="rect">
+            <a:avLst/>
+          </a:prstGeom>
+        </p:spPr>
+      </p:pic>
     </p:spTree>
     <p:extLst>
       <p:ext uri="{BB962C8B-B14F-4D97-AF65-F5344CB8AC3E}">
@@ -9274,6 +9673,36 @@
           <a:xfrm>
             <a:off x="177800" y="0"/>
             <a:ext cx="11709400" cy="6785155"/>
+          </a:xfrm>
+          <a:prstGeom prst="rect">
+            <a:avLst/>
+          </a:prstGeom>
+        </p:spPr>
+      </p:pic>
+      <p:pic>
+        <p:nvPicPr>
+          <p:cNvPr id="5" name="Picture 4"/>
+          <p:cNvPicPr>
+            <a:picLocks noChangeAspect="1"/>
+          </p:cNvPicPr>
+          <p:nvPr/>
+        </p:nvPicPr>
+        <p:blipFill>
+          <a:blip r:embed="rId3" cstate="print">
+            <a:extLst>
+              <a:ext uri="{28A0092B-C50C-407E-A947-70E740481C1C}">
+                <a14:useLocalDpi xmlns:a14="http://schemas.microsoft.com/office/drawing/2010/main" val="0"/>
+              </a:ext>
+            </a:extLst>
+          </a:blip>
+          <a:stretch>
+            <a:fillRect/>
+          </a:stretch>
+        </p:blipFill>
+        <p:spPr>
+          <a:xfrm>
+            <a:off x="10731500" y="5950424"/>
+            <a:ext cx="1062463" cy="751114"/>
           </a:xfrm>
           <a:prstGeom prst="rect">
             <a:avLst/>
@@ -9606,6 +10035,36 @@
           </a:p>
         </p:txBody>
       </p:sp>
+      <p:pic>
+        <p:nvPicPr>
+          <p:cNvPr id="5" name="Picture 4"/>
+          <p:cNvPicPr>
+            <a:picLocks noChangeAspect="1"/>
+          </p:cNvPicPr>
+          <p:nvPr/>
+        </p:nvPicPr>
+        <p:blipFill>
+          <a:blip r:embed="rId2" cstate="print">
+            <a:extLst>
+              <a:ext uri="{28A0092B-C50C-407E-A947-70E740481C1C}">
+                <a14:useLocalDpi xmlns:a14="http://schemas.microsoft.com/office/drawing/2010/main" val="0"/>
+              </a:ext>
+            </a:extLst>
+          </a:blip>
+          <a:stretch>
+            <a:fillRect/>
+          </a:stretch>
+        </p:blipFill>
+        <p:spPr>
+          <a:xfrm>
+            <a:off x="10731500" y="5950424"/>
+            <a:ext cx="1062463" cy="751114"/>
+          </a:xfrm>
+          <a:prstGeom prst="rect">
+            <a:avLst/>
+          </a:prstGeom>
+        </p:spPr>
+      </p:pic>
     </p:spTree>
     <p:extLst>
       <p:ext uri="{BB962C8B-B14F-4D97-AF65-F5344CB8AC3E}">
@@ -9745,6 +10204,36 @@
           </a:p>
         </p:txBody>
       </p:sp>
+      <p:pic>
+        <p:nvPicPr>
+          <p:cNvPr id="4" name="Picture 3"/>
+          <p:cNvPicPr>
+            <a:picLocks noChangeAspect="1"/>
+          </p:cNvPicPr>
+          <p:nvPr/>
+        </p:nvPicPr>
+        <p:blipFill>
+          <a:blip r:embed="rId2" cstate="print">
+            <a:extLst>
+              <a:ext uri="{28A0092B-C50C-407E-A947-70E740481C1C}">
+                <a14:useLocalDpi xmlns:a14="http://schemas.microsoft.com/office/drawing/2010/main" val="0"/>
+              </a:ext>
+            </a:extLst>
+          </a:blip>
+          <a:stretch>
+            <a:fillRect/>
+          </a:stretch>
+        </p:blipFill>
+        <p:spPr>
+          <a:xfrm>
+            <a:off x="10731500" y="5950424"/>
+            <a:ext cx="1062463" cy="751114"/>
+          </a:xfrm>
+          <a:prstGeom prst="rect">
+            <a:avLst/>
+          </a:prstGeom>
+        </p:spPr>
+      </p:pic>
     </p:spTree>
     <p:extLst>
       <p:ext uri="{BB962C8B-B14F-4D97-AF65-F5344CB8AC3E}">
@@ -10780,6 +11269,36 @@
           </a:p>
         </p:txBody>
       </p:sp>
+      <p:pic>
+        <p:nvPicPr>
+          <p:cNvPr id="9" name="Picture 8"/>
+          <p:cNvPicPr>
+            <a:picLocks noChangeAspect="1"/>
+          </p:cNvPicPr>
+          <p:nvPr/>
+        </p:nvPicPr>
+        <p:blipFill>
+          <a:blip r:embed="rId2" cstate="print">
+            <a:extLst>
+              <a:ext uri="{28A0092B-C50C-407E-A947-70E740481C1C}">
+                <a14:useLocalDpi xmlns:a14="http://schemas.microsoft.com/office/drawing/2010/main" val="0"/>
+              </a:ext>
+            </a:extLst>
+          </a:blip>
+          <a:stretch>
+            <a:fillRect/>
+          </a:stretch>
+        </p:blipFill>
+        <p:spPr>
+          <a:xfrm>
+            <a:off x="10731500" y="5950424"/>
+            <a:ext cx="1062463" cy="751114"/>
+          </a:xfrm>
+          <a:prstGeom prst="rect">
+            <a:avLst/>
+          </a:prstGeom>
+        </p:spPr>
+      </p:pic>
     </p:spTree>
     <p:extLst>
       <p:ext uri="{BB962C8B-B14F-4D97-AF65-F5344CB8AC3E}">
@@ -10898,6 +11417,36 @@
           </a:p>
         </p:txBody>
       </p:sp>
+      <p:pic>
+        <p:nvPicPr>
+          <p:cNvPr id="4" name="Picture 3"/>
+          <p:cNvPicPr>
+            <a:picLocks noChangeAspect="1"/>
+          </p:cNvPicPr>
+          <p:nvPr/>
+        </p:nvPicPr>
+        <p:blipFill>
+          <a:blip r:embed="rId2" cstate="print">
+            <a:extLst>
+              <a:ext uri="{28A0092B-C50C-407E-A947-70E740481C1C}">
+                <a14:useLocalDpi xmlns:a14="http://schemas.microsoft.com/office/drawing/2010/main" val="0"/>
+              </a:ext>
+            </a:extLst>
+          </a:blip>
+          <a:stretch>
+            <a:fillRect/>
+          </a:stretch>
+        </p:blipFill>
+        <p:spPr>
+          <a:xfrm>
+            <a:off x="10731500" y="5950424"/>
+            <a:ext cx="1062463" cy="751114"/>
+          </a:xfrm>
+          <a:prstGeom prst="rect">
+            <a:avLst/>
+          </a:prstGeom>
+        </p:spPr>
+      </p:pic>
     </p:spTree>
     <p:extLst>
       <p:ext uri="{BB962C8B-B14F-4D97-AF65-F5344CB8AC3E}">
@@ -11445,23 +11994,23 @@
                 <a:tabLst/>
               </a:pPr>
               <a:r>
-                <a:rPr lang="en-US" sz="1400" dirty="0" smtClean="0">
+                <a:rPr lang="en-US" sz="1600" dirty="0" smtClean="0">
                   <a:latin typeface="Arial" panose="020B0604020202020204" pitchFamily="34" charset="0"/>
                 </a:rPr>
                 <a:t>Check</a:t>
               </a:r>
               <a:br>
-                <a:rPr lang="en-US" sz="1400" dirty="0" smtClean="0">
+                <a:rPr lang="en-US" sz="1600" dirty="0" smtClean="0">
                   <a:latin typeface="Arial" panose="020B0604020202020204" pitchFamily="34" charset="0"/>
                 </a:rPr>
               </a:br>
               <a:r>
-                <a:rPr lang="en-US" sz="1400" dirty="0" smtClean="0">
+                <a:rPr lang="en-US" sz="1600" dirty="0" smtClean="0">
                   <a:latin typeface="Arial" panose="020B0604020202020204" pitchFamily="34" charset="0"/>
                 </a:rPr>
                 <a:t>buttons</a:t>
               </a:r>
-              <a:endParaRPr kumimoji="0" lang="en-US" sz="1400" b="0" i="0" u="none" strike="noStrike" cap="none" normalizeH="0" baseline="0" dirty="0" smtClean="0">
+              <a:endParaRPr kumimoji="0" lang="en-US" sz="1600" b="0" i="0" u="none" strike="noStrike" cap="none" normalizeH="0" baseline="0" dirty="0" smtClean="0">
                 <a:ln>
                   <a:noFill/>
                 </a:ln>
@@ -11485,7 +12034,7 @@
           <p:spPr bwMode="auto">
             <a:xfrm>
               <a:off x="7285" y="16746"/>
-              <a:ext cx="1620" cy="900"/>
+              <a:ext cx="1927" cy="900"/>
             </a:xfrm>
             <a:prstGeom prst="ellipse">
               <a:avLst/>
@@ -11527,7 +12076,7 @@
                 <a:tabLst/>
               </a:pPr>
               <a:r>
-                <a:rPr lang="en-US" sz="1000" dirty="0" smtClean="0">
+                <a:rPr lang="en-US" sz="1600" dirty="0" smtClean="0">
                   <a:solidFill>
                     <a:srgbClr val="000000"/>
                   </a:solidFill>
@@ -11536,7 +12085,7 @@
                 </a:rPr>
                 <a:t>Calculate target</a:t>
               </a:r>
-              <a:endParaRPr kumimoji="0" lang="en-US" sz="1800" b="0" i="0" u="none" strike="noStrike" cap="none" normalizeH="0" baseline="0" dirty="0" smtClean="0">
+              <a:endParaRPr kumimoji="0" lang="en-US" sz="1600" b="0" i="0" u="none" strike="noStrike" cap="none" normalizeH="0" baseline="0" dirty="0" smtClean="0">
                 <a:ln>
                   <a:noFill/>
                 </a:ln>
@@ -11559,7 +12108,7 @@
           </p:nvSpPr>
           <p:spPr bwMode="auto">
             <a:xfrm>
-              <a:off x="3749" y="16904"/>
+              <a:off x="3714" y="16877"/>
               <a:ext cx="1800" cy="1070"/>
             </a:xfrm>
             <a:prstGeom prst="ellipse">
@@ -11602,7 +12151,7 @@
                 <a:tabLst/>
               </a:pPr>
               <a:r>
-                <a:rPr kumimoji="0" lang="en-US" sz="1000" b="0" i="0" u="none" strike="noStrike" cap="none" normalizeH="0" baseline="0" dirty="0" smtClean="0">
+                <a:rPr kumimoji="0" lang="en-US" sz="1600" b="0" i="0" u="none" strike="noStrike" cap="none" normalizeH="0" baseline="0" dirty="0" smtClean="0">
                   <a:ln>
                     <a:noFill/>
                   </a:ln>
@@ -11617,7 +12166,7 @@
                 <a:t>Motors on till reach</a:t>
               </a:r>
               <a:r>
-                <a:rPr kumimoji="0" lang="en-US" sz="1000" b="0" i="0" u="none" strike="noStrike" cap="none" normalizeH="0" dirty="0" smtClean="0">
+                <a:rPr kumimoji="0" lang="en-US" sz="1600" b="0" i="0" u="none" strike="noStrike" cap="none" normalizeH="0" dirty="0" smtClean="0">
                   <a:ln>
                     <a:noFill/>
                   </a:ln>
@@ -11631,7 +12180,7 @@
                 </a:rPr>
                 <a:t> target</a:t>
               </a:r>
-              <a:endParaRPr kumimoji="0" lang="en-US" sz="1800" b="0" i="0" u="none" strike="noStrike" cap="none" normalizeH="0" baseline="0" dirty="0" smtClean="0">
+              <a:endParaRPr kumimoji="0" lang="en-US" sz="1600" b="0" i="0" u="none" strike="noStrike" cap="none" normalizeH="0" baseline="0" dirty="0" smtClean="0">
                 <a:ln>
                   <a:noFill/>
                 </a:ln>
@@ -11867,6 +12416,36 @@
           </p:txBody>
         </p:sp>
       </p:grpSp>
+      <p:pic>
+        <p:nvPicPr>
+          <p:cNvPr id="19" name="Picture 18"/>
+          <p:cNvPicPr>
+            <a:picLocks noChangeAspect="1"/>
+          </p:cNvPicPr>
+          <p:nvPr/>
+        </p:nvPicPr>
+        <p:blipFill>
+          <a:blip r:embed="rId2" cstate="print">
+            <a:extLst>
+              <a:ext uri="{28A0092B-C50C-407E-A947-70E740481C1C}">
+                <a14:useLocalDpi xmlns:a14="http://schemas.microsoft.com/office/drawing/2010/main" val="0"/>
+              </a:ext>
+            </a:extLst>
+          </a:blip>
+          <a:stretch>
+            <a:fillRect/>
+          </a:stretch>
+        </p:blipFill>
+        <p:spPr>
+          <a:xfrm>
+            <a:off x="10731500" y="5950424"/>
+            <a:ext cx="1062463" cy="751114"/>
+          </a:xfrm>
+          <a:prstGeom prst="rect">
+            <a:avLst/>
+          </a:prstGeom>
+        </p:spPr>
+      </p:pic>
     </p:spTree>
     <p:extLst>
       <p:ext uri="{BB962C8B-B14F-4D97-AF65-F5344CB8AC3E}">
@@ -11952,6 +12531,36 @@
           <a:xfrm>
             <a:off x="2896946" y="1825625"/>
             <a:ext cx="6398108" cy="4351338"/>
+          </a:xfrm>
+          <a:prstGeom prst="rect">
+            <a:avLst/>
+          </a:prstGeom>
+        </p:spPr>
+      </p:pic>
+      <p:pic>
+        <p:nvPicPr>
+          <p:cNvPr id="5" name="Picture 4"/>
+          <p:cNvPicPr>
+            <a:picLocks noChangeAspect="1"/>
+          </p:cNvPicPr>
+          <p:nvPr/>
+        </p:nvPicPr>
+        <p:blipFill>
+          <a:blip r:embed="rId3" cstate="print">
+            <a:extLst>
+              <a:ext uri="{28A0092B-C50C-407E-A947-70E740481C1C}">
+                <a14:useLocalDpi xmlns:a14="http://schemas.microsoft.com/office/drawing/2010/main" val="0"/>
+              </a:ext>
+            </a:extLst>
+          </a:blip>
+          <a:stretch>
+            <a:fillRect/>
+          </a:stretch>
+        </p:blipFill>
+        <p:spPr>
+          <a:xfrm>
+            <a:off x="10731500" y="5950424"/>
+            <a:ext cx="1062463" cy="751114"/>
           </a:xfrm>
           <a:prstGeom prst="rect">
             <a:avLst/>
@@ -12095,6 +12704,36 @@
           </a:p>
         </p:txBody>
       </p:sp>
+      <p:pic>
+        <p:nvPicPr>
+          <p:cNvPr id="6" name="Picture 5"/>
+          <p:cNvPicPr>
+            <a:picLocks noChangeAspect="1"/>
+          </p:cNvPicPr>
+          <p:nvPr/>
+        </p:nvPicPr>
+        <p:blipFill>
+          <a:blip r:embed="rId3" cstate="print">
+            <a:extLst>
+              <a:ext uri="{28A0092B-C50C-407E-A947-70E740481C1C}">
+                <a14:useLocalDpi xmlns:a14="http://schemas.microsoft.com/office/drawing/2010/main" val="0"/>
+              </a:ext>
+            </a:extLst>
+          </a:blip>
+          <a:stretch>
+            <a:fillRect/>
+          </a:stretch>
+        </p:blipFill>
+        <p:spPr>
+          <a:xfrm>
+            <a:off x="10731500" y="5950424"/>
+            <a:ext cx="1062463" cy="751114"/>
+          </a:xfrm>
+          <a:prstGeom prst="rect">
+            <a:avLst/>
+          </a:prstGeom>
+        </p:spPr>
+      </p:pic>
     </p:spTree>
     <p:extLst>
       <p:ext uri="{BB962C8B-B14F-4D97-AF65-F5344CB8AC3E}">
@@ -13294,7 +13933,7 @@
                         </a:spcAft>
                       </a:pPr>
                       <a:r>
-                        <a:rPr lang="en-US" sz="1000">
+                        <a:rPr lang="en-US" sz="1000" dirty="0" err="1">
                           <a:solidFill>
                             <a:srgbClr val="000000"/>
                           </a:solidFill>
@@ -13304,6 +13943,14 @@
                         </a:rPr>
                         <a:t>main.c</a:t>
                       </a:r>
+                      <a:endParaRPr lang="en-US" sz="1000" dirty="0">
+                        <a:solidFill>
+                          <a:srgbClr val="000000"/>
+                        </a:solidFill>
+                        <a:effectLst/>
+                        <a:latin typeface="Arial" panose="020B0604020202020204" pitchFamily="34" charset="0"/>
+                        <a:ea typeface="Times New Roman" panose="02020603050405020304" pitchFamily="18" charset="0"/>
+                      </a:endParaRPr>
                     </a:p>
                   </a:txBody>
                   <a:tcPr marL="44450" marR="44450" marT="0" marB="0">
@@ -14102,6 +14749,36 @@
           </a:p>
         </p:txBody>
       </p:sp>
+      <p:pic>
+        <p:nvPicPr>
+          <p:cNvPr id="20" name="Picture 19"/>
+          <p:cNvPicPr>
+            <a:picLocks noChangeAspect="1"/>
+          </p:cNvPicPr>
+          <p:nvPr/>
+        </p:nvPicPr>
+        <p:blipFill>
+          <a:blip r:embed="rId4" cstate="print">
+            <a:extLst>
+              <a:ext uri="{28A0092B-C50C-407E-A947-70E740481C1C}">
+                <a14:useLocalDpi xmlns:a14="http://schemas.microsoft.com/office/drawing/2010/main" val="0"/>
+              </a:ext>
+            </a:extLst>
+          </a:blip>
+          <a:stretch>
+            <a:fillRect/>
+          </a:stretch>
+        </p:blipFill>
+        <p:spPr>
+          <a:xfrm>
+            <a:off x="10731500" y="5950424"/>
+            <a:ext cx="1062463" cy="751114"/>
+          </a:xfrm>
+          <a:prstGeom prst="rect">
+            <a:avLst/>
+          </a:prstGeom>
+        </p:spPr>
+      </p:pic>
     </p:spTree>
     <p:extLst>
       <p:ext uri="{BB962C8B-B14F-4D97-AF65-F5344CB8AC3E}">
@@ -14115,9 +14792,384 @@
   <p:timing>
     <p:tnLst>
       <p:par>
-        <p:cTn id="1" dur="indefinite" restart="never" nodeType="tmRoot"/>
+        <p:cTn id="1" dur="indefinite" restart="never" nodeType="tmRoot">
+          <p:childTnLst>
+            <p:seq concurrent="1" nextAc="seek">
+              <p:cTn id="2" dur="indefinite" nodeType="mainSeq">
+                <p:childTnLst>
+                  <p:par>
+                    <p:cTn id="3" fill="hold">
+                      <p:stCondLst>
+                        <p:cond delay="indefinite"/>
+                      </p:stCondLst>
+                      <p:childTnLst>
+                        <p:par>
+                          <p:cTn id="4" fill="hold">
+                            <p:stCondLst>
+                              <p:cond delay="0"/>
+                            </p:stCondLst>
+                            <p:childTnLst>
+                              <p:par>
+                                <p:cTn id="5" presetID="1" presetClass="entr" presetSubtype="0" fill="hold" nodeType="clickEffect">
+                                  <p:stCondLst>
+                                    <p:cond delay="0"/>
+                                  </p:stCondLst>
+                                  <p:childTnLst>
+                                    <p:set>
+                                      <p:cBhvr>
+                                        <p:cTn id="6" dur="1" fill="hold">
+                                          <p:stCondLst>
+                                            <p:cond delay="0"/>
+                                          </p:stCondLst>
+                                        </p:cTn>
+                                        <p:tgtEl>
+                                          <p:spTgt spid="2087"/>
+                                        </p:tgtEl>
+                                        <p:attrNameLst>
+                                          <p:attrName>style.visibility</p:attrName>
+                                        </p:attrNameLst>
+                                      </p:cBhvr>
+                                      <p:to>
+                                        <p:strVal val="visible"/>
+                                      </p:to>
+                                    </p:set>
+                                  </p:childTnLst>
+                                </p:cTn>
+                              </p:par>
+                            </p:childTnLst>
+                          </p:cTn>
+                        </p:par>
+                      </p:childTnLst>
+                    </p:cTn>
+                  </p:par>
+                  <p:par>
+                    <p:cTn id="7" fill="hold">
+                      <p:stCondLst>
+                        <p:cond delay="indefinite"/>
+                      </p:stCondLst>
+                      <p:childTnLst>
+                        <p:par>
+                          <p:cTn id="8" fill="hold">
+                            <p:stCondLst>
+                              <p:cond delay="0"/>
+                            </p:stCondLst>
+                            <p:childTnLst>
+                              <p:par>
+                                <p:cTn id="9" presetID="1" presetClass="entr" presetSubtype="0" fill="hold" grpId="0" nodeType="clickEffect">
+                                  <p:stCondLst>
+                                    <p:cond delay="0"/>
+                                  </p:stCondLst>
+                                  <p:childTnLst>
+                                    <p:set>
+                                      <p:cBhvr>
+                                        <p:cTn id="10" dur="1" fill="hold">
+                                          <p:stCondLst>
+                                            <p:cond delay="0"/>
+                                          </p:stCondLst>
+                                        </p:cTn>
+                                        <p:tgtEl>
+                                          <p:spTgt spid="28"/>
+                                        </p:tgtEl>
+                                        <p:attrNameLst>
+                                          <p:attrName>style.visibility</p:attrName>
+                                        </p:attrNameLst>
+                                      </p:cBhvr>
+                                      <p:to>
+                                        <p:strVal val="visible"/>
+                                      </p:to>
+                                    </p:set>
+                                  </p:childTnLst>
+                                </p:cTn>
+                              </p:par>
+                              <p:par>
+                                <p:cTn id="11" presetID="1" presetClass="entr" presetSubtype="0" fill="hold" grpId="0" nodeType="withEffect">
+                                  <p:stCondLst>
+                                    <p:cond delay="0"/>
+                                  </p:stCondLst>
+                                  <p:childTnLst>
+                                    <p:set>
+                                      <p:cBhvr>
+                                        <p:cTn id="12" dur="1" fill="hold">
+                                          <p:stCondLst>
+                                            <p:cond delay="0"/>
+                                          </p:stCondLst>
+                                        </p:cTn>
+                                        <p:tgtEl>
+                                          <p:spTgt spid="29"/>
+                                        </p:tgtEl>
+                                        <p:attrNameLst>
+                                          <p:attrName>style.visibility</p:attrName>
+                                        </p:attrNameLst>
+                                      </p:cBhvr>
+                                      <p:to>
+                                        <p:strVal val="visible"/>
+                                      </p:to>
+                                    </p:set>
+                                  </p:childTnLst>
+                                </p:cTn>
+                              </p:par>
+                              <p:par>
+                                <p:cTn id="13" presetID="1" presetClass="entr" presetSubtype="0" fill="hold" grpId="0" nodeType="withEffect">
+                                  <p:stCondLst>
+                                    <p:cond delay="0"/>
+                                  </p:stCondLst>
+                                  <p:childTnLst>
+                                    <p:set>
+                                      <p:cBhvr>
+                                        <p:cTn id="14" dur="1" fill="hold">
+                                          <p:stCondLst>
+                                            <p:cond delay="0"/>
+                                          </p:stCondLst>
+                                        </p:cTn>
+                                        <p:tgtEl>
+                                          <p:spTgt spid="30"/>
+                                        </p:tgtEl>
+                                        <p:attrNameLst>
+                                          <p:attrName>style.visibility</p:attrName>
+                                        </p:attrNameLst>
+                                      </p:cBhvr>
+                                      <p:to>
+                                        <p:strVal val="visible"/>
+                                      </p:to>
+                                    </p:set>
+                                  </p:childTnLst>
+                                </p:cTn>
+                              </p:par>
+                              <p:par>
+                                <p:cTn id="15" presetID="1" presetClass="entr" presetSubtype="0" fill="hold" grpId="0" nodeType="withEffect">
+                                  <p:stCondLst>
+                                    <p:cond delay="0"/>
+                                  </p:stCondLst>
+                                  <p:childTnLst>
+                                    <p:set>
+                                      <p:cBhvr>
+                                        <p:cTn id="16" dur="1" fill="hold">
+                                          <p:stCondLst>
+                                            <p:cond delay="0"/>
+                                          </p:stCondLst>
+                                        </p:cTn>
+                                        <p:tgtEl>
+                                          <p:spTgt spid="31"/>
+                                        </p:tgtEl>
+                                        <p:attrNameLst>
+                                          <p:attrName>style.visibility</p:attrName>
+                                        </p:attrNameLst>
+                                      </p:cBhvr>
+                                      <p:to>
+                                        <p:strVal val="visible"/>
+                                      </p:to>
+                                    </p:set>
+                                  </p:childTnLst>
+                                </p:cTn>
+                              </p:par>
+                              <p:par>
+                                <p:cTn id="17" presetID="1" presetClass="entr" presetSubtype="0" fill="hold" grpId="0" nodeType="withEffect">
+                                  <p:stCondLst>
+                                    <p:cond delay="0"/>
+                                  </p:stCondLst>
+                                  <p:childTnLst>
+                                    <p:set>
+                                      <p:cBhvr>
+                                        <p:cTn id="18" dur="1" fill="hold">
+                                          <p:stCondLst>
+                                            <p:cond delay="0"/>
+                                          </p:stCondLst>
+                                        </p:cTn>
+                                        <p:tgtEl>
+                                          <p:spTgt spid="32"/>
+                                        </p:tgtEl>
+                                        <p:attrNameLst>
+                                          <p:attrName>style.visibility</p:attrName>
+                                        </p:attrNameLst>
+                                      </p:cBhvr>
+                                      <p:to>
+                                        <p:strVal val="visible"/>
+                                      </p:to>
+                                    </p:set>
+                                  </p:childTnLst>
+                                </p:cTn>
+                              </p:par>
+                              <p:par>
+                                <p:cTn id="19" presetID="1" presetClass="entr" presetSubtype="0" fill="hold" grpId="0" nodeType="withEffect">
+                                  <p:stCondLst>
+                                    <p:cond delay="0"/>
+                                  </p:stCondLst>
+                                  <p:childTnLst>
+                                    <p:set>
+                                      <p:cBhvr>
+                                        <p:cTn id="20" dur="1" fill="hold">
+                                          <p:stCondLst>
+                                            <p:cond delay="0"/>
+                                          </p:stCondLst>
+                                        </p:cTn>
+                                        <p:tgtEl>
+                                          <p:spTgt spid="33"/>
+                                        </p:tgtEl>
+                                        <p:attrNameLst>
+                                          <p:attrName>style.visibility</p:attrName>
+                                        </p:attrNameLst>
+                                      </p:cBhvr>
+                                      <p:to>
+                                        <p:strVal val="visible"/>
+                                      </p:to>
+                                    </p:set>
+                                  </p:childTnLst>
+                                </p:cTn>
+                              </p:par>
+                              <p:par>
+                                <p:cTn id="21" presetID="1" presetClass="entr" presetSubtype="0" fill="hold" grpId="0" nodeType="withEffect">
+                                  <p:stCondLst>
+                                    <p:cond delay="0"/>
+                                  </p:stCondLst>
+                                  <p:childTnLst>
+                                    <p:set>
+                                      <p:cBhvr>
+                                        <p:cTn id="22" dur="1" fill="hold">
+                                          <p:stCondLst>
+                                            <p:cond delay="0"/>
+                                          </p:stCondLst>
+                                        </p:cTn>
+                                        <p:tgtEl>
+                                          <p:spTgt spid="34"/>
+                                        </p:tgtEl>
+                                        <p:attrNameLst>
+                                          <p:attrName>style.visibility</p:attrName>
+                                        </p:attrNameLst>
+                                      </p:cBhvr>
+                                      <p:to>
+                                        <p:strVal val="visible"/>
+                                      </p:to>
+                                    </p:set>
+                                  </p:childTnLst>
+                                </p:cTn>
+                              </p:par>
+                            </p:childTnLst>
+                          </p:cTn>
+                        </p:par>
+                      </p:childTnLst>
+                    </p:cTn>
+                  </p:par>
+                  <p:par>
+                    <p:cTn id="23" fill="hold">
+                      <p:stCondLst>
+                        <p:cond delay="indefinite"/>
+                      </p:stCondLst>
+                      <p:childTnLst>
+                        <p:par>
+                          <p:cTn id="24" fill="hold">
+                            <p:stCondLst>
+                              <p:cond delay="0"/>
+                            </p:stCondLst>
+                            <p:childTnLst>
+                              <p:par>
+                                <p:cTn id="25" presetID="1" presetClass="entr" presetSubtype="0" fill="hold" nodeType="clickEffect">
+                                  <p:stCondLst>
+                                    <p:cond delay="0"/>
+                                  </p:stCondLst>
+                                  <p:childTnLst>
+                                    <p:set>
+                                      <p:cBhvr>
+                                        <p:cTn id="26" dur="1" fill="hold">
+                                          <p:stCondLst>
+                                            <p:cond delay="0"/>
+                                          </p:stCondLst>
+                                        </p:cTn>
+                                        <p:tgtEl>
+                                          <p:spTgt spid="43"/>
+                                        </p:tgtEl>
+                                        <p:attrNameLst>
+                                          <p:attrName>style.visibility</p:attrName>
+                                        </p:attrNameLst>
+                                      </p:cBhvr>
+                                      <p:to>
+                                        <p:strVal val="visible"/>
+                                      </p:to>
+                                    </p:set>
+                                  </p:childTnLst>
+                                </p:cTn>
+                              </p:par>
+                            </p:childTnLst>
+                          </p:cTn>
+                        </p:par>
+                      </p:childTnLst>
+                    </p:cTn>
+                  </p:par>
+                  <p:par>
+                    <p:cTn id="27" fill="hold">
+                      <p:stCondLst>
+                        <p:cond delay="indefinite"/>
+                      </p:stCondLst>
+                      <p:childTnLst>
+                        <p:par>
+                          <p:cTn id="28" fill="hold">
+                            <p:stCondLst>
+                              <p:cond delay="0"/>
+                            </p:stCondLst>
+                            <p:childTnLst>
+                              <p:par>
+                                <p:cTn id="29" presetID="1" presetClass="entr" presetSubtype="0" fill="hold" grpId="0" nodeType="clickEffect">
+                                  <p:stCondLst>
+                                    <p:cond delay="0"/>
+                                  </p:stCondLst>
+                                  <p:childTnLst>
+                                    <p:set>
+                                      <p:cBhvr>
+                                        <p:cTn id="30" dur="1" fill="hold">
+                                          <p:stCondLst>
+                                            <p:cond delay="0"/>
+                                          </p:stCondLst>
+                                        </p:cTn>
+                                        <p:tgtEl>
+                                          <p:spTgt spid="46"/>
+                                        </p:tgtEl>
+                                        <p:attrNameLst>
+                                          <p:attrName>style.visibility</p:attrName>
+                                        </p:attrNameLst>
+                                      </p:cBhvr>
+                                      <p:to>
+                                        <p:strVal val="visible"/>
+                                      </p:to>
+                                    </p:set>
+                                  </p:childTnLst>
+                                </p:cTn>
+                              </p:par>
+                            </p:childTnLst>
+                          </p:cTn>
+                        </p:par>
+                      </p:childTnLst>
+                    </p:cTn>
+                  </p:par>
+                </p:childTnLst>
+              </p:cTn>
+              <p:prevCondLst>
+                <p:cond evt="onPrev" delay="0">
+                  <p:tgtEl>
+                    <p:sldTgt/>
+                  </p:tgtEl>
+                </p:cond>
+              </p:prevCondLst>
+              <p:nextCondLst>
+                <p:cond evt="onNext" delay="0">
+                  <p:tgtEl>
+                    <p:sldTgt/>
+                  </p:tgtEl>
+                </p:cond>
+              </p:nextCondLst>
+            </p:seq>
+          </p:childTnLst>
+        </p:cTn>
       </p:par>
     </p:tnLst>
+    <p:bldLst>
+      <p:bldP spid="28" grpId="0" animBg="1"/>
+      <p:bldP spid="29" grpId="0" animBg="1"/>
+      <p:bldP spid="30" grpId="0" animBg="1"/>
+      <p:bldP spid="31" grpId="0" animBg="1"/>
+      <p:bldP spid="32" grpId="0" animBg="1"/>
+      <p:bldP spid="33" grpId="0" animBg="1"/>
+      <p:bldP spid="34" grpId="0" animBg="1"/>
+      <p:bldP spid="46" grpId="0"/>
+    </p:bldLst>
   </p:timing>
 </p:sld>
 </file>
@@ -14207,6 +15259,36 @@
               </a14:hiddenFill>
             </a:ext>
           </a:extLst>
+        </p:spPr>
+      </p:pic>
+      <p:pic>
+        <p:nvPicPr>
+          <p:cNvPr id="4" name="Picture 3"/>
+          <p:cNvPicPr>
+            <a:picLocks noChangeAspect="1"/>
+          </p:cNvPicPr>
+          <p:nvPr/>
+        </p:nvPicPr>
+        <p:blipFill>
+          <a:blip r:embed="rId3" cstate="print">
+            <a:extLst>
+              <a:ext uri="{28A0092B-C50C-407E-A947-70E740481C1C}">
+                <a14:useLocalDpi xmlns:a14="http://schemas.microsoft.com/office/drawing/2010/main" val="0"/>
+              </a:ext>
+            </a:extLst>
+          </a:blip>
+          <a:stretch>
+            <a:fillRect/>
+          </a:stretch>
+        </p:blipFill>
+        <p:spPr>
+          <a:xfrm>
+            <a:off x="11013743" y="6106886"/>
+            <a:ext cx="1062463" cy="751114"/>
+          </a:xfrm>
+          <a:prstGeom prst="rect">
+            <a:avLst/>
+          </a:prstGeom>
         </p:spPr>
       </p:pic>
     </p:spTree>
@@ -14444,6 +15526,36 @@
           </a:p>
         </p:txBody>
       </p:sp>
+      <p:pic>
+        <p:nvPicPr>
+          <p:cNvPr id="6" name="Picture 5"/>
+          <p:cNvPicPr>
+            <a:picLocks noChangeAspect="1"/>
+          </p:cNvPicPr>
+          <p:nvPr/>
+        </p:nvPicPr>
+        <p:blipFill>
+          <a:blip r:embed="rId3" cstate="print">
+            <a:extLst>
+              <a:ext uri="{28A0092B-C50C-407E-A947-70E740481C1C}">
+                <a14:useLocalDpi xmlns:a14="http://schemas.microsoft.com/office/drawing/2010/main" val="0"/>
+              </a:ext>
+            </a:extLst>
+          </a:blip>
+          <a:stretch>
+            <a:fillRect/>
+          </a:stretch>
+        </p:blipFill>
+        <p:spPr>
+          <a:xfrm>
+            <a:off x="10731500" y="5950424"/>
+            <a:ext cx="1062463" cy="751114"/>
+          </a:xfrm>
+          <a:prstGeom prst="rect">
+            <a:avLst/>
+          </a:prstGeom>
+        </p:spPr>
+      </p:pic>
     </p:spTree>
     <p:extLst>
       <p:ext uri="{BB962C8B-B14F-4D97-AF65-F5344CB8AC3E}">
@@ -14457,9 +15569,217 @@
   <p:timing>
     <p:tnLst>
       <p:par>
-        <p:cTn id="1" dur="indefinite" restart="never" nodeType="tmRoot"/>
+        <p:cTn id="1" dur="indefinite" restart="never" nodeType="tmRoot">
+          <p:childTnLst>
+            <p:seq concurrent="1" nextAc="seek">
+              <p:cTn id="2" dur="indefinite" nodeType="mainSeq">
+                <p:childTnLst>
+                  <p:par>
+                    <p:cTn id="3" fill="hold">
+                      <p:stCondLst>
+                        <p:cond delay="indefinite"/>
+                      </p:stCondLst>
+                      <p:childTnLst>
+                        <p:par>
+                          <p:cTn id="4" fill="hold">
+                            <p:stCondLst>
+                              <p:cond delay="0"/>
+                            </p:stCondLst>
+                            <p:childTnLst>
+                              <p:par>
+                                <p:cTn id="5" presetID="2" presetClass="entr" presetSubtype="4" fill="hold" grpId="0" nodeType="clickEffect">
+                                  <p:stCondLst>
+                                    <p:cond delay="0"/>
+                                  </p:stCondLst>
+                                  <p:childTnLst>
+                                    <p:set>
+                                      <p:cBhvr>
+                                        <p:cTn id="6" dur="1" fill="hold">
+                                          <p:stCondLst>
+                                            <p:cond delay="0"/>
+                                          </p:stCondLst>
+                                        </p:cTn>
+                                        <p:tgtEl>
+                                          <p:spTgt spid="5"/>
+                                        </p:tgtEl>
+                                        <p:attrNameLst>
+                                          <p:attrName>style.visibility</p:attrName>
+                                        </p:attrNameLst>
+                                      </p:cBhvr>
+                                      <p:to>
+                                        <p:strVal val="visible"/>
+                                      </p:to>
+                                    </p:set>
+                                    <p:anim calcmode="lin" valueType="num">
+                                      <p:cBhvr additive="base">
+                                        <p:cTn id="7" dur="500" fill="hold"/>
+                                        <p:tgtEl>
+                                          <p:spTgt spid="5"/>
+                                        </p:tgtEl>
+                                        <p:attrNameLst>
+                                          <p:attrName>ppt_x</p:attrName>
+                                        </p:attrNameLst>
+                                      </p:cBhvr>
+                                      <p:tavLst>
+                                        <p:tav tm="0">
+                                          <p:val>
+                                            <p:strVal val="#ppt_x"/>
+                                          </p:val>
+                                        </p:tav>
+                                        <p:tav tm="100000">
+                                          <p:val>
+                                            <p:strVal val="#ppt_x"/>
+                                          </p:val>
+                                        </p:tav>
+                                      </p:tavLst>
+                                    </p:anim>
+                                    <p:anim calcmode="lin" valueType="num">
+                                      <p:cBhvr additive="base">
+                                        <p:cTn id="8" dur="500" fill="hold"/>
+                                        <p:tgtEl>
+                                          <p:spTgt spid="5"/>
+                                        </p:tgtEl>
+                                        <p:attrNameLst>
+                                          <p:attrName>ppt_y</p:attrName>
+                                        </p:attrNameLst>
+                                      </p:cBhvr>
+                                      <p:tavLst>
+                                        <p:tav tm="0">
+                                          <p:val>
+                                            <p:strVal val="1+#ppt_h/2"/>
+                                          </p:val>
+                                        </p:tav>
+                                        <p:tav tm="100000">
+                                          <p:val>
+                                            <p:strVal val="#ppt_y"/>
+                                          </p:val>
+                                        </p:tav>
+                                      </p:tavLst>
+                                    </p:anim>
+                                  </p:childTnLst>
+                                </p:cTn>
+                              </p:par>
+                            </p:childTnLst>
+                          </p:cTn>
+                        </p:par>
+                      </p:childTnLst>
+                    </p:cTn>
+                  </p:par>
+                  <p:par>
+                    <p:cTn id="9" fill="hold">
+                      <p:stCondLst>
+                        <p:cond delay="indefinite"/>
+                      </p:stCondLst>
+                      <p:childTnLst>
+                        <p:par>
+                          <p:cTn id="10" fill="hold">
+                            <p:stCondLst>
+                              <p:cond delay="0"/>
+                            </p:stCondLst>
+                            <p:childTnLst>
+                              <p:par>
+                                <p:cTn id="11" presetID="2" presetClass="entr" presetSubtype="4" fill="hold" nodeType="clickEffect">
+                                  <p:stCondLst>
+                                    <p:cond delay="0"/>
+                                  </p:stCondLst>
+                                  <p:childTnLst>
+                                    <p:set>
+                                      <p:cBhvr>
+                                        <p:cTn id="12" dur="1" fill="hold">
+                                          <p:stCondLst>
+                                            <p:cond delay="0"/>
+                                          </p:stCondLst>
+                                        </p:cTn>
+                                        <p:tgtEl>
+                                          <p:spTgt spid="5122"/>
+                                        </p:tgtEl>
+                                        <p:attrNameLst>
+                                          <p:attrName>style.visibility</p:attrName>
+                                        </p:attrNameLst>
+                                      </p:cBhvr>
+                                      <p:to>
+                                        <p:strVal val="visible"/>
+                                      </p:to>
+                                    </p:set>
+                                    <p:anim calcmode="lin" valueType="num">
+                                      <p:cBhvr additive="base">
+                                        <p:cTn id="13" dur="500" fill="hold"/>
+                                        <p:tgtEl>
+                                          <p:spTgt spid="5122"/>
+                                        </p:tgtEl>
+                                        <p:attrNameLst>
+                                          <p:attrName>ppt_x</p:attrName>
+                                        </p:attrNameLst>
+                                      </p:cBhvr>
+                                      <p:tavLst>
+                                        <p:tav tm="0">
+                                          <p:val>
+                                            <p:strVal val="#ppt_x"/>
+                                          </p:val>
+                                        </p:tav>
+                                        <p:tav tm="100000">
+                                          <p:val>
+                                            <p:strVal val="#ppt_x"/>
+                                          </p:val>
+                                        </p:tav>
+                                      </p:tavLst>
+                                    </p:anim>
+                                    <p:anim calcmode="lin" valueType="num">
+                                      <p:cBhvr additive="base">
+                                        <p:cTn id="14" dur="500" fill="hold"/>
+                                        <p:tgtEl>
+                                          <p:spTgt spid="5122"/>
+                                        </p:tgtEl>
+                                        <p:attrNameLst>
+                                          <p:attrName>ppt_y</p:attrName>
+                                        </p:attrNameLst>
+                                      </p:cBhvr>
+                                      <p:tavLst>
+                                        <p:tav tm="0">
+                                          <p:val>
+                                            <p:strVal val="1+#ppt_h/2"/>
+                                          </p:val>
+                                        </p:tav>
+                                        <p:tav tm="100000">
+                                          <p:val>
+                                            <p:strVal val="#ppt_y"/>
+                                          </p:val>
+                                        </p:tav>
+                                      </p:tavLst>
+                                    </p:anim>
+                                  </p:childTnLst>
+                                </p:cTn>
+                              </p:par>
+                            </p:childTnLst>
+                          </p:cTn>
+                        </p:par>
+                      </p:childTnLst>
+                    </p:cTn>
+                  </p:par>
+                </p:childTnLst>
+              </p:cTn>
+              <p:prevCondLst>
+                <p:cond evt="onPrev" delay="0">
+                  <p:tgtEl>
+                    <p:sldTgt/>
+                  </p:tgtEl>
+                </p:cond>
+              </p:prevCondLst>
+              <p:nextCondLst>
+                <p:cond evt="onNext" delay="0">
+                  <p:tgtEl>
+                    <p:sldTgt/>
+                  </p:tgtEl>
+                </p:cond>
+              </p:nextCondLst>
+            </p:seq>
+          </p:childTnLst>
+        </p:cTn>
       </p:par>
     </p:tnLst>
+    <p:bldLst>
+      <p:bldP spid="5" grpId="0"/>
+    </p:bldLst>
   </p:timing>
 </p:sld>
 </file>
@@ -14544,6 +15864,36 @@
               </a14:hiddenFill>
             </a:ext>
           </a:extLst>
+        </p:spPr>
+      </p:pic>
+      <p:pic>
+        <p:nvPicPr>
+          <p:cNvPr id="4" name="Picture 3"/>
+          <p:cNvPicPr>
+            <a:picLocks noChangeAspect="1"/>
+          </p:cNvPicPr>
+          <p:nvPr/>
+        </p:nvPicPr>
+        <p:blipFill>
+          <a:blip r:embed="rId3" cstate="print">
+            <a:extLst>
+              <a:ext uri="{28A0092B-C50C-407E-A947-70E740481C1C}">
+                <a14:useLocalDpi xmlns:a14="http://schemas.microsoft.com/office/drawing/2010/main" val="0"/>
+              </a:ext>
+            </a:extLst>
+          </a:blip>
+          <a:stretch>
+            <a:fillRect/>
+          </a:stretch>
+        </p:blipFill>
+        <p:spPr>
+          <a:xfrm>
+            <a:off x="10731500" y="5950424"/>
+            <a:ext cx="1062463" cy="751114"/>
+          </a:xfrm>
+          <a:prstGeom prst="rect">
+            <a:avLst/>
+          </a:prstGeom>
         </p:spPr>
       </p:pic>
     </p:spTree>
@@ -14724,7 +16074,7 @@
         </p:blipFill>
         <p:spPr bwMode="auto">
           <a:xfrm>
-            <a:off x="5080869" y="2071850"/>
+            <a:off x="5230995" y="1904340"/>
             <a:ext cx="6961005" cy="4046084"/>
           </a:xfrm>
           <a:prstGeom prst="rect">
@@ -14740,6 +16090,36 @@
               </a14:hiddenFill>
             </a:ext>
           </a:extLst>
+        </p:spPr>
+      </p:pic>
+      <p:pic>
+        <p:nvPicPr>
+          <p:cNvPr id="5" name="Picture 4"/>
+          <p:cNvPicPr>
+            <a:picLocks noChangeAspect="1"/>
+          </p:cNvPicPr>
+          <p:nvPr/>
+        </p:nvPicPr>
+        <p:blipFill>
+          <a:blip r:embed="rId3" cstate="print">
+            <a:extLst>
+              <a:ext uri="{28A0092B-C50C-407E-A947-70E740481C1C}">
+                <a14:useLocalDpi xmlns:a14="http://schemas.microsoft.com/office/drawing/2010/main" val="0"/>
+              </a:ext>
+            </a:extLst>
+          </a:blip>
+          <a:stretch>
+            <a:fillRect/>
+          </a:stretch>
+        </p:blipFill>
+        <p:spPr>
+          <a:xfrm>
+            <a:off x="10731500" y="5950424"/>
+            <a:ext cx="1062463" cy="751114"/>
+          </a:xfrm>
+          <a:prstGeom prst="rect">
+            <a:avLst/>
+          </a:prstGeom>
         </p:spPr>
       </p:pic>
     </p:spTree>
@@ -14875,7 +16255,15 @@
             </a:r>
             <a:r>
               <a:rPr lang="en-US" dirty="0"/>
-              <a:t> are hidden from above layer and provides a uniform interface to them to access the below hardware.]</a:t>
+              <a:t> are hidden from above layer and provides a uniform interface to them to access the below hardware</a:t>
+            </a:r>
+            <a:r>
+              <a:rPr lang="en-US" dirty="0" smtClean="0"/>
+              <a:t>.</a:t>
+            </a:r>
+            <a:r>
+              <a:rPr lang="en-US" dirty="0"/>
+              <a:t/>
             </a:r>
             <a:br>
               <a:rPr lang="en-US" dirty="0"/>
@@ -14910,6 +16298,36 @@
           </a:p>
         </p:txBody>
       </p:sp>
+      <p:pic>
+        <p:nvPicPr>
+          <p:cNvPr id="4" name="Picture 3"/>
+          <p:cNvPicPr>
+            <a:picLocks noChangeAspect="1"/>
+          </p:cNvPicPr>
+          <p:nvPr/>
+        </p:nvPicPr>
+        <p:blipFill>
+          <a:blip r:embed="rId2" cstate="print">
+            <a:extLst>
+              <a:ext uri="{28A0092B-C50C-407E-A947-70E740481C1C}">
+                <a14:useLocalDpi xmlns:a14="http://schemas.microsoft.com/office/drawing/2010/main" val="0"/>
+              </a:ext>
+            </a:extLst>
+          </a:blip>
+          <a:stretch>
+            <a:fillRect/>
+          </a:stretch>
+        </p:blipFill>
+        <p:spPr>
+          <a:xfrm>
+            <a:off x="10731500" y="5950424"/>
+            <a:ext cx="1062463" cy="751114"/>
+          </a:xfrm>
+          <a:prstGeom prst="rect">
+            <a:avLst/>
+          </a:prstGeom>
+        </p:spPr>
+      </p:pic>
     </p:spTree>
     <p:extLst>
       <p:ext uri="{BB962C8B-B14F-4D97-AF65-F5344CB8AC3E}">
@@ -14923,7 +16341,218 @@
   <p:timing>
     <p:tnLst>
       <p:par>
-        <p:cTn id="1" dur="indefinite" restart="never" nodeType="tmRoot"/>
+        <p:cTn id="1" dur="indefinite" restart="never" nodeType="tmRoot">
+          <p:childTnLst>
+            <p:seq concurrent="1" nextAc="seek">
+              <p:cTn id="2" dur="indefinite" nodeType="mainSeq">
+                <p:childTnLst>
+                  <p:par>
+                    <p:cTn id="3" fill="hold">
+                      <p:stCondLst>
+                        <p:cond delay="indefinite"/>
+                      </p:stCondLst>
+                      <p:childTnLst>
+                        <p:par>
+                          <p:cTn id="4" fill="hold">
+                            <p:stCondLst>
+                              <p:cond delay="0"/>
+                            </p:stCondLst>
+                            <p:childTnLst>
+                              <p:par>
+                                <p:cTn id="5" presetID="2" presetClass="entr" presetSubtype="4" fill="hold" nodeType="clickEffect">
+                                  <p:stCondLst>
+                                    <p:cond delay="0"/>
+                                  </p:stCondLst>
+                                  <p:childTnLst>
+                                    <p:set>
+                                      <p:cBhvr>
+                                        <p:cTn id="6" dur="1" fill="hold">
+                                          <p:stCondLst>
+                                            <p:cond delay="0"/>
+                                          </p:stCondLst>
+                                        </p:cTn>
+                                        <p:tgtEl>
+                                          <p:spTgt spid="3">
+                                            <p:txEl>
+                                              <p:pRg st="0" end="0"/>
+                                            </p:txEl>
+                                          </p:spTgt>
+                                        </p:tgtEl>
+                                        <p:attrNameLst>
+                                          <p:attrName>style.visibility</p:attrName>
+                                        </p:attrNameLst>
+                                      </p:cBhvr>
+                                      <p:to>
+                                        <p:strVal val="visible"/>
+                                      </p:to>
+                                    </p:set>
+                                    <p:anim calcmode="lin" valueType="num">
+                                      <p:cBhvr additive="base">
+                                        <p:cTn id="7" dur="500" fill="hold"/>
+                                        <p:tgtEl>
+                                          <p:spTgt spid="3">
+                                            <p:txEl>
+                                              <p:pRg st="0" end="0"/>
+                                            </p:txEl>
+                                          </p:spTgt>
+                                        </p:tgtEl>
+                                        <p:attrNameLst>
+                                          <p:attrName>ppt_x</p:attrName>
+                                        </p:attrNameLst>
+                                      </p:cBhvr>
+                                      <p:tavLst>
+                                        <p:tav tm="0">
+                                          <p:val>
+                                            <p:strVal val="#ppt_x"/>
+                                          </p:val>
+                                        </p:tav>
+                                        <p:tav tm="100000">
+                                          <p:val>
+                                            <p:strVal val="#ppt_x"/>
+                                          </p:val>
+                                        </p:tav>
+                                      </p:tavLst>
+                                    </p:anim>
+                                    <p:anim calcmode="lin" valueType="num">
+                                      <p:cBhvr additive="base">
+                                        <p:cTn id="8" dur="500" fill="hold"/>
+                                        <p:tgtEl>
+                                          <p:spTgt spid="3">
+                                            <p:txEl>
+                                              <p:pRg st="0" end="0"/>
+                                            </p:txEl>
+                                          </p:spTgt>
+                                        </p:tgtEl>
+                                        <p:attrNameLst>
+                                          <p:attrName>ppt_y</p:attrName>
+                                        </p:attrNameLst>
+                                      </p:cBhvr>
+                                      <p:tavLst>
+                                        <p:tav tm="0">
+                                          <p:val>
+                                            <p:strVal val="1+#ppt_h/2"/>
+                                          </p:val>
+                                        </p:tav>
+                                        <p:tav tm="100000">
+                                          <p:val>
+                                            <p:strVal val="#ppt_y"/>
+                                          </p:val>
+                                        </p:tav>
+                                      </p:tavLst>
+                                    </p:anim>
+                                  </p:childTnLst>
+                                </p:cTn>
+                              </p:par>
+                              <p:par>
+                                <p:cTn id="9" presetID="2" presetClass="entr" presetSubtype="4" fill="hold" nodeType="withEffect">
+                                  <p:stCondLst>
+                                    <p:cond delay="0"/>
+                                  </p:stCondLst>
+                                  <p:childTnLst>
+                                    <p:set>
+                                      <p:cBhvr>
+                                        <p:cTn id="10" dur="1" fill="hold">
+                                          <p:stCondLst>
+                                            <p:cond delay="0"/>
+                                          </p:stCondLst>
+                                        </p:cTn>
+                                        <p:tgtEl>
+                                          <p:spTgt spid="3">
+                                            <p:txEl>
+                                              <p:pRg st="1" end="1"/>
+                                            </p:txEl>
+                                          </p:spTgt>
+                                        </p:tgtEl>
+                                        <p:attrNameLst>
+                                          <p:attrName>style.visibility</p:attrName>
+                                        </p:attrNameLst>
+                                      </p:cBhvr>
+                                      <p:to>
+                                        <p:strVal val="visible"/>
+                                      </p:to>
+                                    </p:set>
+                                    <p:anim calcmode="lin" valueType="num">
+                                      <p:cBhvr additive="base">
+                                        <p:cTn id="11" dur="500" fill="hold"/>
+                                        <p:tgtEl>
+                                          <p:spTgt spid="3">
+                                            <p:txEl>
+                                              <p:pRg st="1" end="1"/>
+                                            </p:txEl>
+                                          </p:spTgt>
+                                        </p:tgtEl>
+                                        <p:attrNameLst>
+                                          <p:attrName>ppt_x</p:attrName>
+                                        </p:attrNameLst>
+                                      </p:cBhvr>
+                                      <p:tavLst>
+                                        <p:tav tm="0">
+                                          <p:val>
+                                            <p:strVal val="#ppt_x"/>
+                                          </p:val>
+                                        </p:tav>
+                                        <p:tav tm="100000">
+                                          <p:val>
+                                            <p:strVal val="#ppt_x"/>
+                                          </p:val>
+                                        </p:tav>
+                                      </p:tavLst>
+                                    </p:anim>
+                                    <p:anim calcmode="lin" valueType="num">
+                                      <p:cBhvr additive="base">
+                                        <p:cTn id="12" dur="500" fill="hold"/>
+                                        <p:tgtEl>
+                                          <p:spTgt spid="3">
+                                            <p:txEl>
+                                              <p:pRg st="1" end="1"/>
+                                            </p:txEl>
+                                          </p:spTgt>
+                                        </p:tgtEl>
+                                        <p:attrNameLst>
+                                          <p:attrName>ppt_y</p:attrName>
+                                        </p:attrNameLst>
+                                      </p:cBhvr>
+                                      <p:tavLst>
+                                        <p:tav tm="0">
+                                          <p:val>
+                                            <p:strVal val="1+#ppt_h/2"/>
+                                          </p:val>
+                                        </p:tav>
+                                        <p:tav tm="100000">
+                                          <p:val>
+                                            <p:strVal val="#ppt_y"/>
+                                          </p:val>
+                                        </p:tav>
+                                      </p:tavLst>
+                                    </p:anim>
+                                  </p:childTnLst>
+                                </p:cTn>
+                              </p:par>
+                            </p:childTnLst>
+                          </p:cTn>
+                        </p:par>
+                      </p:childTnLst>
+                    </p:cTn>
+                  </p:par>
+                </p:childTnLst>
+              </p:cTn>
+              <p:prevCondLst>
+                <p:cond evt="onPrev" delay="0">
+                  <p:tgtEl>
+                    <p:sldTgt/>
+                  </p:tgtEl>
+                </p:cond>
+              </p:prevCondLst>
+              <p:nextCondLst>
+                <p:cond evt="onNext" delay="0">
+                  <p:tgtEl>
+                    <p:sldTgt/>
+                  </p:tgtEl>
+                </p:cond>
+              </p:nextCondLst>
+            </p:seq>
+          </p:childTnLst>
+        </p:cTn>
       </p:par>
     </p:tnLst>
   </p:timing>
@@ -15180,17 +16809,62 @@
             </a:r>
           </a:p>
           <a:p>
+            <a:pPr marL="0" indent="0">
+              <a:buNone/>
+            </a:pPr>
+            <a:r>
+              <a:rPr lang="en-US" u="sng" dirty="0" smtClean="0"/>
+              <a:t>   v</a:t>
+            </a:r>
             <a:r>
               <a:rPr lang="en-US" u="sng" dirty="0"/>
-              <a:t>v) IO stack:</a:t>
+              <a:t>) IO stack:</a:t>
             </a:r>
             <a:r>
               <a:rPr lang="en-US" dirty="0"/>
-              <a:t> Input Output Stack. The software modules which control the input pins output pins of ECU, the ADC and other input output related devices present in the ECU.</a:t>
+              <a:t> Input Output Stack. The software modules which control the input pins output </a:t>
+            </a:r>
+            <a:r>
+              <a:rPr lang="en-US" dirty="0" smtClean="0"/>
+              <a:t>   pins </a:t>
+            </a:r>
+            <a:r>
+              <a:rPr lang="en-US" dirty="0"/>
+              <a:t>of ECU, the ADC and other input output related devices present in the ECU.</a:t>
             </a:r>
           </a:p>
         </p:txBody>
       </p:sp>
+      <p:pic>
+        <p:nvPicPr>
+          <p:cNvPr id="4" name="Picture 3"/>
+          <p:cNvPicPr>
+            <a:picLocks noChangeAspect="1"/>
+          </p:cNvPicPr>
+          <p:nvPr/>
+        </p:nvPicPr>
+        <p:blipFill>
+          <a:blip r:embed="rId2" cstate="print">
+            <a:extLst>
+              <a:ext uri="{28A0092B-C50C-407E-A947-70E740481C1C}">
+                <a14:useLocalDpi xmlns:a14="http://schemas.microsoft.com/office/drawing/2010/main" val="0"/>
+              </a:ext>
+            </a:extLst>
+          </a:blip>
+          <a:stretch>
+            <a:fillRect/>
+          </a:stretch>
+        </p:blipFill>
+        <p:spPr>
+          <a:xfrm>
+            <a:off x="10731500" y="5950424"/>
+            <a:ext cx="1062463" cy="751114"/>
+          </a:xfrm>
+          <a:prstGeom prst="rect">
+            <a:avLst/>
+          </a:prstGeom>
+        </p:spPr>
+      </p:pic>
     </p:spTree>
     <p:extLst>
       <p:ext uri="{BB962C8B-B14F-4D97-AF65-F5344CB8AC3E}">
@@ -15400,7 +17074,7 @@
           <a:p>
             <a:r>
               <a:rPr lang="en-US" dirty="0" smtClean="0"/>
-              <a:t>references</a:t>
+              <a:t>References</a:t>
             </a:r>
             <a:endParaRPr lang="en-US" dirty="0"/>
           </a:p>
@@ -15418,8 +17092,8 @@
         </p:nvSpPr>
         <p:spPr>
           <a:xfrm>
-            <a:off x="435429" y="1088571"/>
-            <a:ext cx="10918371" cy="5088392"/>
+            <a:off x="326571" y="983117"/>
+            <a:ext cx="11027230" cy="5193846"/>
           </a:xfrm>
         </p:spPr>
         <p:txBody>
@@ -15441,7 +17115,24 @@
               <a:rPr lang="en-US" dirty="0" smtClean="0">
                 <a:hlinkClick r:id="rId3"/>
               </a:rPr>
-              <a:t>http://www.keil.com/support/man/docs/armclang_intro/armclang_intro_fnb1472741490155.htm</a:t>
+              <a:t>http://</a:t>
+            </a:r>
+            <a:r>
+              <a:rPr lang="en-US" dirty="0" smtClean="0">
+                <a:hlinkClick r:id="rId3"/>
+              </a:rPr>
+              <a:t>www.keil.com/support/man/docs/armclang_intro/armclang_intro_fnb1</a:t>
+            </a:r>
+            <a:br>
+              <a:rPr lang="en-US" dirty="0" smtClean="0">
+                <a:hlinkClick r:id="rId3"/>
+              </a:rPr>
+            </a:br>
+            <a:r>
+              <a:rPr lang="en-US" dirty="0" smtClean="0">
+                <a:hlinkClick r:id="rId3"/>
+              </a:rPr>
+              <a:t>472741490155.htm</a:t>
             </a:r>
             <a:endParaRPr lang="en-US" dirty="0" smtClean="0"/>
           </a:p>
@@ -15522,6 +17213,36 @@
           </a:p>
         </p:txBody>
       </p:sp>
+      <p:pic>
+        <p:nvPicPr>
+          <p:cNvPr id="4" name="Picture 3"/>
+          <p:cNvPicPr>
+            <a:picLocks noChangeAspect="1"/>
+          </p:cNvPicPr>
+          <p:nvPr/>
+        </p:nvPicPr>
+        <p:blipFill>
+          <a:blip r:embed="rId11" cstate="print">
+            <a:extLst>
+              <a:ext uri="{28A0092B-C50C-407E-A947-70E740481C1C}">
+                <a14:useLocalDpi xmlns:a14="http://schemas.microsoft.com/office/drawing/2010/main" val="0"/>
+              </a:ext>
+            </a:extLst>
+          </a:blip>
+          <a:stretch>
+            <a:fillRect/>
+          </a:stretch>
+        </p:blipFill>
+        <p:spPr>
+          <a:xfrm>
+            <a:off x="10731500" y="5950424"/>
+            <a:ext cx="1062463" cy="751114"/>
+          </a:xfrm>
+          <a:prstGeom prst="rect">
+            <a:avLst/>
+          </a:prstGeom>
+        </p:spPr>
+      </p:pic>
     </p:spTree>
     <p:extLst>
       <p:ext uri="{BB962C8B-B14F-4D97-AF65-F5344CB8AC3E}">
@@ -15627,6 +17348,36 @@
               </a14:hiddenFill>
             </a:ext>
           </a:extLst>
+        </p:spPr>
+      </p:pic>
+      <p:pic>
+        <p:nvPicPr>
+          <p:cNvPr id="4" name="Picture 3"/>
+          <p:cNvPicPr>
+            <a:picLocks noChangeAspect="1"/>
+          </p:cNvPicPr>
+          <p:nvPr/>
+        </p:nvPicPr>
+        <p:blipFill>
+          <a:blip r:embed="rId3" cstate="print">
+            <a:extLst>
+              <a:ext uri="{28A0092B-C50C-407E-A947-70E740481C1C}">
+                <a14:useLocalDpi xmlns:a14="http://schemas.microsoft.com/office/drawing/2010/main" val="0"/>
+              </a:ext>
+            </a:extLst>
+          </a:blip>
+          <a:stretch>
+            <a:fillRect/>
+          </a:stretch>
+        </p:blipFill>
+        <p:spPr>
+          <a:xfrm>
+            <a:off x="10731500" y="5950424"/>
+            <a:ext cx="1062463" cy="751114"/>
+          </a:xfrm>
+          <a:prstGeom prst="rect">
+            <a:avLst/>
+          </a:prstGeom>
         </p:spPr>
       </p:pic>
     </p:spTree>
@@ -15943,6 +17694,36 @@
           </a:p>
         </p:txBody>
       </p:sp>
+      <p:pic>
+        <p:nvPicPr>
+          <p:cNvPr id="6" name="Picture 5"/>
+          <p:cNvPicPr>
+            <a:picLocks noChangeAspect="1"/>
+          </p:cNvPicPr>
+          <p:nvPr/>
+        </p:nvPicPr>
+        <p:blipFill>
+          <a:blip r:embed="rId3" cstate="print">
+            <a:extLst>
+              <a:ext uri="{28A0092B-C50C-407E-A947-70E740481C1C}">
+                <a14:useLocalDpi xmlns:a14="http://schemas.microsoft.com/office/drawing/2010/main" val="0"/>
+              </a:ext>
+            </a:extLst>
+          </a:blip>
+          <a:stretch>
+            <a:fillRect/>
+          </a:stretch>
+        </p:blipFill>
+        <p:spPr>
+          <a:xfrm>
+            <a:off x="10731500" y="5950424"/>
+            <a:ext cx="1062463" cy="751114"/>
+          </a:xfrm>
+          <a:prstGeom prst="rect">
+            <a:avLst/>
+          </a:prstGeom>
+        </p:spPr>
+      </p:pic>
     </p:spTree>
     <p:extLst>
       <p:ext uri="{BB962C8B-B14F-4D97-AF65-F5344CB8AC3E}">
@@ -16226,6 +18007,36 @@
           </a:p>
         </p:txBody>
       </p:sp>
+      <p:pic>
+        <p:nvPicPr>
+          <p:cNvPr id="5" name="Picture 4"/>
+          <p:cNvPicPr>
+            <a:picLocks noChangeAspect="1"/>
+          </p:cNvPicPr>
+          <p:nvPr/>
+        </p:nvPicPr>
+        <p:blipFill>
+          <a:blip r:embed="rId3" cstate="print">
+            <a:extLst>
+              <a:ext uri="{28A0092B-C50C-407E-A947-70E740481C1C}">
+                <a14:useLocalDpi xmlns:a14="http://schemas.microsoft.com/office/drawing/2010/main" val="0"/>
+              </a:ext>
+            </a:extLst>
+          </a:blip>
+          <a:stretch>
+            <a:fillRect/>
+          </a:stretch>
+        </p:blipFill>
+        <p:spPr>
+          <a:xfrm>
+            <a:off x="10731500" y="5964072"/>
+            <a:ext cx="1062463" cy="751114"/>
+          </a:xfrm>
+          <a:prstGeom prst="rect">
+            <a:avLst/>
+          </a:prstGeom>
+        </p:spPr>
+      </p:pic>
     </p:spTree>
     <p:extLst>
       <p:ext uri="{BB962C8B-B14F-4D97-AF65-F5344CB8AC3E}">
@@ -16412,6 +18223,36 @@
           <a:xfrm>
             <a:off x="4686300" y="1155700"/>
             <a:ext cx="7505700" cy="3893935"/>
+          </a:xfrm>
+          <a:prstGeom prst="rect">
+            <a:avLst/>
+          </a:prstGeom>
+        </p:spPr>
+      </p:pic>
+      <p:pic>
+        <p:nvPicPr>
+          <p:cNvPr id="5" name="Picture 4"/>
+          <p:cNvPicPr>
+            <a:picLocks noChangeAspect="1"/>
+          </p:cNvPicPr>
+          <p:nvPr/>
+        </p:nvPicPr>
+        <p:blipFill>
+          <a:blip r:embed="rId3" cstate="print">
+            <a:extLst>
+              <a:ext uri="{28A0092B-C50C-407E-A947-70E740481C1C}">
+                <a14:useLocalDpi xmlns:a14="http://schemas.microsoft.com/office/drawing/2010/main" val="0"/>
+              </a:ext>
+            </a:extLst>
+          </a:blip>
+          <a:stretch>
+            <a:fillRect/>
+          </a:stretch>
+        </p:blipFill>
+        <p:spPr>
+          <a:xfrm>
+            <a:off x="10731500" y="5950424"/>
+            <a:ext cx="1062463" cy="751114"/>
           </a:xfrm>
           <a:prstGeom prst="rect">
             <a:avLst/>
@@ -16540,6 +18381,36 @@
           </a:p>
         </p:txBody>
       </p:sp>
+      <p:pic>
+        <p:nvPicPr>
+          <p:cNvPr id="4" name="Picture 3"/>
+          <p:cNvPicPr>
+            <a:picLocks noChangeAspect="1"/>
+          </p:cNvPicPr>
+          <p:nvPr/>
+        </p:nvPicPr>
+        <p:blipFill>
+          <a:blip r:embed="rId2" cstate="print">
+            <a:extLst>
+              <a:ext uri="{28A0092B-C50C-407E-A947-70E740481C1C}">
+                <a14:useLocalDpi xmlns:a14="http://schemas.microsoft.com/office/drawing/2010/main" val="0"/>
+              </a:ext>
+            </a:extLst>
+          </a:blip>
+          <a:stretch>
+            <a:fillRect/>
+          </a:stretch>
+        </p:blipFill>
+        <p:spPr>
+          <a:xfrm>
+            <a:off x="10731500" y="5950424"/>
+            <a:ext cx="1062463" cy="751114"/>
+          </a:xfrm>
+          <a:prstGeom prst="rect">
+            <a:avLst/>
+          </a:prstGeom>
+        </p:spPr>
+      </p:pic>
     </p:spTree>
     <p:extLst>
       <p:ext uri="{BB962C8B-B14F-4D97-AF65-F5344CB8AC3E}">
@@ -16656,6 +18527,36 @@
           </a:p>
         </p:txBody>
       </p:sp>
+      <p:pic>
+        <p:nvPicPr>
+          <p:cNvPr id="4" name="Picture 3"/>
+          <p:cNvPicPr>
+            <a:picLocks noChangeAspect="1"/>
+          </p:cNvPicPr>
+          <p:nvPr/>
+        </p:nvPicPr>
+        <p:blipFill>
+          <a:blip r:embed="rId2" cstate="print">
+            <a:extLst>
+              <a:ext uri="{28A0092B-C50C-407E-A947-70E740481C1C}">
+                <a14:useLocalDpi xmlns:a14="http://schemas.microsoft.com/office/drawing/2010/main" val="0"/>
+              </a:ext>
+            </a:extLst>
+          </a:blip>
+          <a:stretch>
+            <a:fillRect/>
+          </a:stretch>
+        </p:blipFill>
+        <p:spPr>
+          <a:xfrm>
+            <a:off x="10731500" y="5950424"/>
+            <a:ext cx="1062463" cy="751114"/>
+          </a:xfrm>
+          <a:prstGeom prst="rect">
+            <a:avLst/>
+          </a:prstGeom>
+        </p:spPr>
+      </p:pic>
     </p:spTree>
     <p:extLst>
       <p:ext uri="{BB962C8B-B14F-4D97-AF65-F5344CB8AC3E}">
